--- a/translations/es/intermediate/TurnDegrees.pptx
+++ b/translations/es/intermediate/TurnDegrees.pptx
@@ -294,7 +294,7 @@
           <a:p>
             <a:fld id="{077DF89E-FE63-4223-98DE-F57979CD039B}" type="datetimeFigureOut">
               <a:rPr lang="es-MX" smtClean="0"/>
-              <a:t>20/04/2015</a:t>
+              <a:t>05/02/17</a:t>
             </a:fld>
             <a:endParaRPr lang="es-MX"/>
           </a:p>
@@ -561,7 +561,7 @@
           <a:p>
             <a:fld id="{077DF89E-FE63-4223-98DE-F57979CD039B}" type="datetimeFigureOut">
               <a:rPr lang="es-MX" smtClean="0"/>
-              <a:t>20/04/2015</a:t>
+              <a:t>05/02/17</a:t>
             </a:fld>
             <a:endParaRPr lang="es-MX"/>
           </a:p>
@@ -792,7 +792,7 @@
           <a:p>
             <a:fld id="{077DF89E-FE63-4223-98DE-F57979CD039B}" type="datetimeFigureOut">
               <a:rPr lang="es-MX" smtClean="0"/>
-              <a:t>20/04/2015</a:t>
+              <a:t>05/02/17</a:t>
             </a:fld>
             <a:endParaRPr lang="es-MX"/>
           </a:p>
@@ -1102,7 +1102,7 @@
           <a:p>
             <a:fld id="{077DF89E-FE63-4223-98DE-F57979CD039B}" type="datetimeFigureOut">
               <a:rPr lang="es-MX" smtClean="0"/>
-              <a:t>20/04/2015</a:t>
+              <a:t>05/02/17</a:t>
             </a:fld>
             <a:endParaRPr lang="es-MX"/>
           </a:p>
@@ -1575,7 +1575,7 @@
           <a:p>
             <a:fld id="{077DF89E-FE63-4223-98DE-F57979CD039B}" type="datetimeFigureOut">
               <a:rPr lang="es-MX" smtClean="0"/>
-              <a:t>20/04/2015</a:t>
+              <a:t>05/02/17</a:t>
             </a:fld>
             <a:endParaRPr lang="es-MX"/>
           </a:p>
@@ -2122,7 +2122,7 @@
           <a:p>
             <a:fld id="{077DF89E-FE63-4223-98DE-F57979CD039B}" type="datetimeFigureOut">
               <a:rPr lang="es-MX" smtClean="0"/>
-              <a:t>20/04/2015</a:t>
+              <a:t>05/02/17</a:t>
             </a:fld>
             <a:endParaRPr lang="es-MX"/>
           </a:p>
@@ -2896,7 +2896,7 @@
           <a:p>
             <a:fld id="{077DF89E-FE63-4223-98DE-F57979CD039B}" type="datetimeFigureOut">
               <a:rPr lang="es-MX" smtClean="0"/>
-              <a:t>20/04/2015</a:t>
+              <a:t>05/02/17</a:t>
             </a:fld>
             <a:endParaRPr lang="es-MX"/>
           </a:p>
@@ -3071,7 +3071,7 @@
           <a:p>
             <a:fld id="{077DF89E-FE63-4223-98DE-F57979CD039B}" type="datetimeFigureOut">
               <a:rPr lang="es-MX" smtClean="0"/>
-              <a:t>20/04/2015</a:t>
+              <a:t>05/02/17</a:t>
             </a:fld>
             <a:endParaRPr lang="es-MX"/>
           </a:p>
@@ -3294,7 +3294,7 @@
           <a:p>
             <a:fld id="{077DF89E-FE63-4223-98DE-F57979CD039B}" type="datetimeFigureOut">
               <a:rPr lang="es-MX" smtClean="0"/>
-              <a:t>20/04/2015</a:t>
+              <a:t>05/02/17</a:t>
             </a:fld>
             <a:endParaRPr lang="es-MX"/>
           </a:p>
@@ -3474,7 +3474,7 @@
           <a:p>
             <a:fld id="{077DF89E-FE63-4223-98DE-F57979CD039B}" type="datetimeFigureOut">
               <a:rPr lang="es-MX" smtClean="0"/>
-              <a:t>20/04/2015</a:t>
+              <a:t>05/02/17</a:t>
             </a:fld>
             <a:endParaRPr lang="es-MX"/>
           </a:p>
@@ -3763,7 +3763,7 @@
           <a:p>
             <a:fld id="{077DF89E-FE63-4223-98DE-F57979CD039B}" type="datetimeFigureOut">
               <a:rPr lang="es-MX" smtClean="0"/>
-              <a:t>20/04/2015</a:t>
+              <a:t>05/02/17</a:t>
             </a:fld>
             <a:endParaRPr lang="es-MX"/>
           </a:p>
@@ -4005,7 +4005,7 @@
           <a:p>
             <a:fld id="{077DF89E-FE63-4223-98DE-F57979CD039B}" type="datetimeFigureOut">
               <a:rPr lang="es-MX" smtClean="0"/>
-              <a:t>20/04/2015</a:t>
+              <a:t>05/02/17</a:t>
             </a:fld>
             <a:endParaRPr lang="es-MX"/>
           </a:p>
@@ -4384,7 +4384,7 @@
           <a:p>
             <a:fld id="{077DF89E-FE63-4223-98DE-F57979CD039B}" type="datetimeFigureOut">
               <a:rPr lang="es-MX" smtClean="0"/>
-              <a:t>20/04/2015</a:t>
+              <a:t>05/02/17</a:t>
             </a:fld>
             <a:endParaRPr lang="es-MX"/>
           </a:p>
@@ -4502,7 +4502,7 @@
           <a:p>
             <a:fld id="{077DF89E-FE63-4223-98DE-F57979CD039B}" type="datetimeFigureOut">
               <a:rPr lang="es-MX" smtClean="0"/>
-              <a:t>20/04/2015</a:t>
+              <a:t>05/02/17</a:t>
             </a:fld>
             <a:endParaRPr lang="es-MX"/>
           </a:p>
@@ -4597,7 +4597,7 @@
           <a:p>
             <a:fld id="{077DF89E-FE63-4223-98DE-F57979CD039B}" type="datetimeFigureOut">
               <a:rPr lang="es-MX" smtClean="0"/>
-              <a:t>20/04/2015</a:t>
+              <a:t>05/02/17</a:t>
             </a:fld>
             <a:endParaRPr lang="es-MX"/>
           </a:p>
@@ -4846,7 +4846,7 @@
           <a:p>
             <a:fld id="{077DF89E-FE63-4223-98DE-F57979CD039B}" type="datetimeFigureOut">
               <a:rPr lang="es-MX" smtClean="0"/>
-              <a:t>20/04/2015</a:t>
+              <a:t>05/02/17</a:t>
             </a:fld>
             <a:endParaRPr lang="es-MX"/>
           </a:p>
@@ -5103,7 +5103,7 @@
           <a:p>
             <a:fld id="{077DF89E-FE63-4223-98DE-F57979CD039B}" type="datetimeFigureOut">
               <a:rPr lang="es-MX" smtClean="0"/>
-              <a:t>20/04/2015</a:t>
+              <a:t>05/02/17</a:t>
             </a:fld>
             <a:endParaRPr lang="es-MX"/>
           </a:p>
@@ -5346,7 +5346,7 @@
           <a:p>
             <a:fld id="{077DF89E-FE63-4223-98DE-F57979CD039B}" type="datetimeFigureOut">
               <a:rPr lang="es-MX" smtClean="0"/>
-              <a:t>20/04/2015</a:t>
+              <a:t>05/02/17</a:t>
             </a:fld>
             <a:endParaRPr lang="es-MX"/>
           </a:p>
@@ -6296,96 +6296,6 @@
       </p:sp>
       <p:sp>
         <p:nvSpPr>
-          <p:cNvPr id="2" name="Rectangle 1"/>
-          <p:cNvSpPr/>
-          <p:nvPr/>
-        </p:nvSpPr>
-        <p:spPr>
-          <a:xfrm>
-            <a:off x="7438373" y="4740425"/>
-            <a:ext cx="1870592" cy="415498"/>
-          </a:xfrm>
-          <a:prstGeom prst="rect">
-            <a:avLst/>
-          </a:prstGeom>
-        </p:spPr>
-        <p:txBody>
-          <a:bodyPr wrap="square">
-            <a:spAutoFit/>
-          </a:bodyPr>
-          <a:lstStyle/>
-          <a:p>
-            <a:r>
-              <a:rPr lang="en-US" sz="1050" dirty="0">
-                <a:latin typeface="Arial Black" panose="020B0A04020102020204" pitchFamily="34" charset="0"/>
-                <a:cs typeface="Arial" panose="020B0604020202020204" pitchFamily="34" charset="0"/>
-              </a:rPr>
-              <a:t>Translated by: Tec </a:t>
-            </a:r>
-            <a:r>
-              <a:rPr lang="en-US" sz="1050" dirty="0" err="1">
-                <a:latin typeface="Arial Black" panose="020B0A04020102020204" pitchFamily="34" charset="0"/>
-                <a:cs typeface="Arial" panose="020B0604020202020204" pitchFamily="34" charset="0"/>
-              </a:rPr>
-              <a:t>Balam</a:t>
-            </a:r>
-            <a:r>
-              <a:rPr lang="en-US" sz="1050" dirty="0">
-                <a:latin typeface="Arial Black" panose="020B0A04020102020204" pitchFamily="34" charset="0"/>
-                <a:cs typeface="Arial" panose="020B0604020202020204" pitchFamily="34" charset="0"/>
-              </a:rPr>
-              <a:t> Esmeralda </a:t>
-            </a:r>
-            <a:endParaRPr lang="es-MX" sz="1050" dirty="0">
-              <a:latin typeface="Arial Black" panose="020B0A04020102020204" pitchFamily="34" charset="0"/>
-              <a:cs typeface="Arial" panose="020B0604020202020204" pitchFamily="34" charset="0"/>
-            </a:endParaRPr>
-          </a:p>
-        </p:txBody>
-      </p:sp>
-      <p:pic>
-        <p:nvPicPr>
-          <p:cNvPr id="1026" name="Picture 2" descr="http://static.wixstatic.com/media/257dae_44117adf54c85d355c559f548060294b.png_srz_p_175_113_75_22_0.50_1.20_0.00_png_srz"/>
-          <p:cNvPicPr>
-            <a:picLocks noChangeAspect="1" noChangeArrowheads="1"/>
-          </p:cNvPicPr>
-          <p:nvPr/>
-        </p:nvPicPr>
-        <p:blipFill>
-          <a:blip r:embed="rId4">
-            <a:extLst>
-              <a:ext uri="{28A0092B-C50C-407E-A947-70E740481C1C}">
-                <a14:useLocalDpi xmlns:a14="http://schemas.microsoft.com/office/drawing/2010/main" val="0"/>
-              </a:ext>
-            </a:extLst>
-          </a:blip>
-          <a:srcRect/>
-          <a:stretch>
-            <a:fillRect/>
-          </a:stretch>
-        </p:blipFill>
-        <p:spPr bwMode="auto">
-          <a:xfrm>
-            <a:off x="7544915" y="5298628"/>
-            <a:ext cx="1378908" cy="890382"/>
-          </a:xfrm>
-          <a:prstGeom prst="rect">
-            <a:avLst/>
-          </a:prstGeom>
-          <a:noFill/>
-          <a:extLst>
-            <a:ext uri="{909E8E84-426E-40DD-AFC4-6F175D3DCCD1}">
-              <a14:hiddenFill xmlns:a14="http://schemas.microsoft.com/office/drawing/2010/main">
-                <a:solidFill>
-                  <a:srgbClr val="FFFFFF"/>
-                </a:solidFill>
-              </a14:hiddenFill>
-            </a:ext>
-          </a:extLst>
-        </p:spPr>
-      </p:pic>
-      <p:sp>
-        <p:nvSpPr>
           <p:cNvPr id="3" name="Rectangle 2"/>
           <p:cNvSpPr/>
           <p:nvPr/>
@@ -9262,11 +9172,7 @@
             </a:r>
             <a:r>
               <a:rPr lang="es-MX" b="1" dirty="0" smtClean="0"/>
-              <a:t>uno</a:t>
-            </a:r>
-            <a:r>
-              <a:rPr lang="es-MX" b="1" dirty="0" smtClean="0"/>
-              <a:t>.</a:t>
+              <a:t>uno.</a:t>
             </a:r>
             <a:endParaRPr lang="es-MX" dirty="0" smtClean="0"/>
           </a:p>
